--- a/Bike_Share/How_Does_a_Bike_Share_Navigate_Speedy_Success.pptx
+++ b/Bike_Share/How_Does_a_Bike_Share_Navigate_Speedy_Success.pptx
@@ -6494,7 +6494,7 @@
           <a:p>
             <a:fld id="{D875AD11-EA77-4B9E-BB80-86C404D5CDFF}" type="datetimeFigureOut">
               <a:rPr lang="zh-TW" altLang="en-US" smtClean="0"/>
-              <a:t>2024/2/15</a:t>
+              <a:t>2024/3/10</a:t>
             </a:fld>
             <a:endParaRPr lang="zh-TW" altLang="en-US"/>
           </a:p>
@@ -7100,7 +7100,7 @@
           <a:p>
             <a:fld id="{E6D58518-40FE-4391-8D67-8017A93E5007}" type="datetimeFigureOut">
               <a:rPr lang="zh-TW" altLang="en-US" smtClean="0"/>
-              <a:t>2024/2/15</a:t>
+              <a:t>2024/3/10</a:t>
             </a:fld>
             <a:endParaRPr lang="zh-TW" altLang="en-US"/>
           </a:p>
@@ -7298,7 +7298,7 @@
           <a:p>
             <a:fld id="{E6D58518-40FE-4391-8D67-8017A93E5007}" type="datetimeFigureOut">
               <a:rPr lang="zh-TW" altLang="en-US" smtClean="0"/>
-              <a:t>2024/2/15</a:t>
+              <a:t>2024/3/10</a:t>
             </a:fld>
             <a:endParaRPr lang="zh-TW" altLang="en-US"/>
           </a:p>
@@ -7506,7 +7506,7 @@
           <a:p>
             <a:fld id="{E6D58518-40FE-4391-8D67-8017A93E5007}" type="datetimeFigureOut">
               <a:rPr lang="zh-TW" altLang="en-US" smtClean="0"/>
-              <a:t>2024/2/15</a:t>
+              <a:t>2024/3/10</a:t>
             </a:fld>
             <a:endParaRPr lang="zh-TW" altLang="en-US"/>
           </a:p>
@@ -7704,7 +7704,7 @@
           <a:p>
             <a:fld id="{E6D58518-40FE-4391-8D67-8017A93E5007}" type="datetimeFigureOut">
               <a:rPr lang="zh-TW" altLang="en-US" smtClean="0"/>
-              <a:t>2024/2/15</a:t>
+              <a:t>2024/3/10</a:t>
             </a:fld>
             <a:endParaRPr lang="zh-TW" altLang="en-US"/>
           </a:p>
@@ -7902,7 +7902,7 @@
           <a:p>
             <a:fld id="{E6D58518-40FE-4391-8D67-8017A93E5007}" type="datetimeFigureOut">
               <a:rPr lang="zh-TW" altLang="en-US" smtClean="0"/>
-              <a:t>2024/2/15</a:t>
+              <a:t>2024/3/10</a:t>
             </a:fld>
             <a:endParaRPr lang="zh-TW" altLang="en-US"/>
           </a:p>
@@ -8177,7 +8177,7 @@
           <a:p>
             <a:fld id="{E6D58518-40FE-4391-8D67-8017A93E5007}" type="datetimeFigureOut">
               <a:rPr lang="zh-TW" altLang="en-US" smtClean="0"/>
-              <a:t>2024/2/15</a:t>
+              <a:t>2024/3/10</a:t>
             </a:fld>
             <a:endParaRPr lang="zh-TW" altLang="en-US"/>
           </a:p>
@@ -8442,7 +8442,7 @@
           <a:p>
             <a:fld id="{E6D58518-40FE-4391-8D67-8017A93E5007}" type="datetimeFigureOut">
               <a:rPr lang="zh-TW" altLang="en-US" smtClean="0"/>
-              <a:t>2024/2/15</a:t>
+              <a:t>2024/3/10</a:t>
             </a:fld>
             <a:endParaRPr lang="zh-TW" altLang="en-US"/>
           </a:p>
@@ -8854,7 +8854,7 @@
           <a:p>
             <a:fld id="{E6D58518-40FE-4391-8D67-8017A93E5007}" type="datetimeFigureOut">
               <a:rPr lang="zh-TW" altLang="en-US" smtClean="0"/>
-              <a:t>2024/2/15</a:t>
+              <a:t>2024/3/10</a:t>
             </a:fld>
             <a:endParaRPr lang="zh-TW" altLang="en-US"/>
           </a:p>
@@ -8995,7 +8995,7 @@
           <a:p>
             <a:fld id="{E6D58518-40FE-4391-8D67-8017A93E5007}" type="datetimeFigureOut">
               <a:rPr lang="zh-TW" altLang="en-US" smtClean="0"/>
-              <a:t>2024/2/15</a:t>
+              <a:t>2024/3/10</a:t>
             </a:fld>
             <a:endParaRPr lang="zh-TW" altLang="en-US"/>
           </a:p>
@@ -9108,7 +9108,7 @@
           <a:p>
             <a:fld id="{E6D58518-40FE-4391-8D67-8017A93E5007}" type="datetimeFigureOut">
               <a:rPr lang="zh-TW" altLang="en-US" smtClean="0"/>
-              <a:t>2024/2/15</a:t>
+              <a:t>2024/3/10</a:t>
             </a:fld>
             <a:endParaRPr lang="zh-TW" altLang="en-US"/>
           </a:p>
@@ -9419,7 +9419,7 @@
           <a:p>
             <a:fld id="{E6D58518-40FE-4391-8D67-8017A93E5007}" type="datetimeFigureOut">
               <a:rPr lang="zh-TW" altLang="en-US" smtClean="0"/>
-              <a:t>2024/2/15</a:t>
+              <a:t>2024/3/10</a:t>
             </a:fld>
             <a:endParaRPr lang="zh-TW" altLang="en-US"/>
           </a:p>
@@ -9710,7 +9710,7 @@
           <a:p>
             <a:fld id="{E6D58518-40FE-4391-8D67-8017A93E5007}" type="datetimeFigureOut">
               <a:rPr lang="zh-TW" altLang="en-US" smtClean="0"/>
-              <a:t>2024/2/15</a:t>
+              <a:t>2024/3/10</a:t>
             </a:fld>
             <a:endParaRPr lang="zh-TW" altLang="en-US"/>
           </a:p>
@@ -9951,7 +9951,7 @@
           <a:p>
             <a:fld id="{E6D58518-40FE-4391-8D67-8017A93E5007}" type="datetimeFigureOut">
               <a:rPr lang="zh-TW" altLang="en-US" smtClean="0"/>
-              <a:t>2024/2/15</a:t>
+              <a:t>2024/3/10</a:t>
             </a:fld>
             <a:endParaRPr lang="zh-TW" altLang="en-US"/>
           </a:p>
@@ -11307,7 +11307,7 @@
           <a:p>
             <a:pPr algn="ctr"/>
             <a:r>
-              <a:rPr lang="en-US" altLang="zh-TW" sz="2800" kern="1200">
+              <a:rPr lang="en-US" altLang="zh-TW" kern="1200" dirty="0">
                 <a:solidFill>
                   <a:schemeClr val="tx1"/>
                 </a:solidFill>
@@ -11406,8 +11406,8 @@
         </p:nvSpPr>
         <p:spPr>
           <a:xfrm>
-            <a:off x="5449633" y="3487865"/>
-            <a:ext cx="5742432" cy="2344708"/>
+            <a:off x="4619244" y="2826738"/>
+            <a:ext cx="7508747" cy="4062322"/>
           </a:xfrm>
         </p:spPr>
         <p:txBody>
@@ -11420,11 +11420,11 @@
               <a:buNone/>
             </a:pPr>
             <a:r>
-              <a:rPr lang="en-US" altLang="zh-TW" sz="2200" dirty="0">
+              <a:rPr lang="en-US" altLang="zh-TW" dirty="0">
                 <a:latin typeface="Times New Roman" panose="02020603050405020304" pitchFamily="18" charset="0"/>
                 <a:cs typeface="Times New Roman" panose="02020603050405020304" pitchFamily="18" charset="0"/>
               </a:rPr>
-              <a:t>A summary of my analysis</a:t>
+              <a:t>Summary analysis</a:t>
             </a:r>
           </a:p>
           <a:p>
@@ -11457,7 +11457,7 @@
                 <a:latin typeface="Times New Roman" panose="02020603050405020304" pitchFamily="18" charset="0"/>
                 <a:cs typeface="Times New Roman" panose="02020603050405020304" pitchFamily="18" charset="0"/>
               </a:rPr>
-              <a:t>Only casual users use docked bikes, membership users prefer classic bikes and both of use the electric bikes almost equally.</a:t>
+              <a:t>Only casual users use docked bikes, membership users prefer classic bikes, While the number of e-bikes used by members is almost double the number used by casual visitors.</a:t>
             </a:r>
           </a:p>
         </p:txBody>
@@ -11773,14 +11773,14 @@
           <a:p>
             <a:pPr algn="ctr"/>
             <a:r>
-              <a:rPr lang="en-US" altLang="zh-TW" sz="2800" kern="1200" dirty="0">
+              <a:rPr lang="en-US" altLang="zh-TW" kern="1200" dirty="0">
                 <a:solidFill>
                   <a:schemeClr val="tx1"/>
                 </a:solidFill>
                 <a:latin typeface="Times New Roman" panose="02020603050405020304" pitchFamily="18" charset="0"/>
                 <a:cs typeface="Times New Roman" panose="02020603050405020304" pitchFamily="18" charset="0"/>
               </a:rPr>
-              <a:t>Act</a:t>
+              <a:t>Analyze</a:t>
             </a:r>
           </a:p>
         </p:txBody>
@@ -11882,15 +11882,15 @@
           </a:bodyPr>
           <a:lstStyle/>
           <a:p>
-            <a:pPr marL="0" indent="0" algn="ctr">
+            <a:pPr marL="285750" indent="0" algn="ctr">
               <a:buNone/>
             </a:pPr>
             <a:r>
-              <a:rPr lang="en-US" altLang="zh-TW" sz="2400" dirty="0">
+              <a:rPr lang="en-US" altLang="zh-TW" b="1" dirty="0">
                 <a:latin typeface="Times New Roman" panose="02020603050405020304" pitchFamily="18" charset="0"/>
                 <a:cs typeface="Times New Roman" panose="02020603050405020304" pitchFamily="18" charset="0"/>
               </a:rPr>
-              <a:t>A summary of my analysis</a:t>
+              <a:t>Summary analysis</a:t>
             </a:r>
           </a:p>
           <a:p>
@@ -11900,7 +11900,33 @@
                 <a:latin typeface="Times New Roman" panose="02020603050405020304" pitchFamily="18" charset="0"/>
                 <a:cs typeface="Times New Roman" panose="02020603050405020304" pitchFamily="18" charset="0"/>
               </a:rPr>
-              <a:t>There is a seasonal trend in ridership by both casual and member riders. Can see that the rise in no of rides during summer (July to September) and during summer the casual ridership surpasses member ridership.</a:t>
+              <a:t>There is a seasonal trend in ridership by both casual and member riders. Can see that the rise in no of rides during summer (July to September) </a:t>
+            </a:r>
+          </a:p>
+          <a:p>
+            <a:r>
+              <a:rPr lang="en-US" altLang="zh-TW" sz="2200" b="0" i="0" dirty="0">
+                <a:effectLst/>
+                <a:latin typeface="Times New Roman" panose="02020603050405020304" pitchFamily="18" charset="0"/>
+                <a:cs typeface="Times New Roman" panose="02020603050405020304" pitchFamily="18" charset="0"/>
+              </a:rPr>
+              <a:t>member ridership</a:t>
+            </a:r>
+            <a:r>
+              <a:rPr lang="zh-TW" altLang="en-US" sz="2200" b="0" i="0" dirty="0">
+                <a:effectLst/>
+                <a:latin typeface="Times New Roman" panose="02020603050405020304" pitchFamily="18" charset="0"/>
+                <a:cs typeface="Times New Roman" panose="02020603050405020304" pitchFamily="18" charset="0"/>
+              </a:rPr>
+              <a:t> </a:t>
+            </a:r>
+            <a:r>
+              <a:rPr lang="en-US" altLang="zh-TW" sz="2200" b="0" i="0" dirty="0">
+                <a:effectLst/>
+                <a:latin typeface="Times New Roman" panose="02020603050405020304" pitchFamily="18" charset="0"/>
+                <a:cs typeface="Times New Roman" panose="02020603050405020304" pitchFamily="18" charset="0"/>
+              </a:rPr>
+              <a:t>surpasses casual ridership</a:t>
             </a:r>
           </a:p>
           <a:p>
@@ -11920,7 +11946,7 @@
                 <a:latin typeface="Times New Roman" panose="02020603050405020304" pitchFamily="18" charset="0"/>
                 <a:cs typeface="Times New Roman" panose="02020603050405020304" pitchFamily="18" charset="0"/>
               </a:rPr>
-              <a:t>The average ride length by casual riders is more than twice the members in the same year (2023).</a:t>
+              <a:t>The average ride length by casual riders is less than half of the members in the same year (2023).</a:t>
             </a:r>
           </a:p>
         </p:txBody>
@@ -12455,7 +12481,7 @@
         <p:spPr>
           <a:xfrm>
             <a:off x="4447308" y="138793"/>
-            <a:ext cx="6906491" cy="6719207"/>
+            <a:ext cx="7744692" cy="6719207"/>
           </a:xfrm>
         </p:spPr>
         <p:txBody>
@@ -12468,7 +12494,7 @@
               <a:buNone/>
             </a:pPr>
             <a:r>
-              <a:rPr lang="en-US" altLang="zh-TW" sz="2400" dirty="0">
+              <a:rPr lang="en-US" altLang="zh-TW" sz="4000" b="1" dirty="0">
                 <a:latin typeface="Times New Roman" panose="02020603050405020304" pitchFamily="18" charset="0"/>
                 <a:cs typeface="Times New Roman" panose="02020603050405020304" pitchFamily="18" charset="0"/>
               </a:rPr>
@@ -12478,7 +12504,7 @@
           <a:p>
             <a:pPr marL="514350"/>
             <a:r>
-              <a:rPr lang="en-US" altLang="zh-TW" sz="2200" dirty="0">
+              <a:rPr lang="en-US" altLang="zh-TW" sz="2600" dirty="0">
                 <a:latin typeface="Times New Roman" panose="02020603050405020304" pitchFamily="18" charset="0"/>
                 <a:cs typeface="Times New Roman" panose="02020603050405020304" pitchFamily="18" charset="0"/>
               </a:rPr>
@@ -12499,7 +12525,7 @@
               <a:buNone/>
             </a:pPr>
             <a:r>
-              <a:rPr lang="en-US" altLang="zh-TW" sz="2400" dirty="0">
+              <a:rPr lang="en-US" altLang="zh-TW" sz="4000" b="1" dirty="0">
                 <a:latin typeface="Times New Roman" panose="02020603050405020304" pitchFamily="18" charset="0"/>
                 <a:cs typeface="Times New Roman" panose="02020603050405020304" pitchFamily="18" charset="0"/>
               </a:rPr>
@@ -12529,9 +12555,9 @@
             </a:endParaRPr>
           </a:p>
           <a:p>
-            <a:pPr rtl="0">
-              <a:buFont typeface="Arial" panose="020B0604020202020204" pitchFamily="34" charset="0"/>
-              <a:buChar char="•"/>
+            <a:pPr marL="514350" indent="-514350" rtl="0">
+              <a:buFont typeface="+mj-lt"/>
+              <a:buAutoNum type="arabicPeriod"/>
             </a:pPr>
             <a:r>
               <a:rPr lang="en-US" altLang="zh-TW" b="1" dirty="0">
@@ -12557,9 +12583,9 @@
             </a:r>
           </a:p>
           <a:p>
-            <a:pPr rtl="0">
-              <a:buFont typeface="Arial" panose="020B0604020202020204" pitchFamily="34" charset="0"/>
-              <a:buChar char="•"/>
+            <a:pPr marL="514350" indent="-514350" rtl="0">
+              <a:buFont typeface="+mj-lt"/>
+              <a:buAutoNum type="arabicPeriod"/>
             </a:pPr>
             <a:r>
               <a:rPr lang="en-US" altLang="zh-TW" b="1" dirty="0">
@@ -12607,9 +12633,9 @@
             </a:endParaRPr>
           </a:p>
           <a:p>
-            <a:pPr rtl="0">
-              <a:buFont typeface="Arial" panose="020B0604020202020204" pitchFamily="34" charset="0"/>
-              <a:buChar char="•"/>
+            <a:pPr marL="514350" indent="-514350" rtl="0">
+              <a:buFont typeface="+mj-lt"/>
+              <a:buAutoNum type="arabicPeriod"/>
             </a:pPr>
             <a:r>
               <a:rPr lang="en-US" altLang="zh-TW" b="1" dirty="0">
@@ -12635,9 +12661,9 @@
             </a:r>
           </a:p>
           <a:p>
-            <a:pPr rtl="0">
-              <a:buFont typeface="Arial" panose="020B0604020202020204" pitchFamily="34" charset="0"/>
-              <a:buChar char="•"/>
+            <a:pPr marL="514350" indent="-514350" rtl="0">
+              <a:buFont typeface="+mj-lt"/>
+              <a:buAutoNum type="arabicPeriod"/>
             </a:pPr>
             <a:r>
               <a:rPr lang="en-US" altLang="zh-TW" b="1" dirty="0">
@@ -12675,30 +12701,15 @@
               </a:rPr>
               <a:t>Seasonality:</a:t>
             </a:r>
-            <a:endParaRPr lang="en-US" altLang="zh-TW" dirty="0">
-              <a:solidFill>
-                <a:srgbClr val="1F1F1F"/>
-              </a:solidFill>
-              <a:effectLst/>
-              <a:latin typeface="Times New Roman" panose="02020603050405020304" pitchFamily="18" charset="0"/>
-              <a:cs typeface="Times New Roman" panose="02020603050405020304" pitchFamily="18" charset="0"/>
-            </a:endParaRPr>
-          </a:p>
-          <a:p>
-            <a:pPr rtl="0">
-              <a:buFont typeface="Arial" panose="020B0604020202020204" pitchFamily="34" charset="0"/>
-              <a:buChar char="•"/>
-            </a:pPr>
             <a:r>
-              <a:rPr lang="en-US" altLang="zh-TW" b="1" dirty="0">
+              <a:rPr lang="en-US" altLang="zh-TW" dirty="0">
                 <a:solidFill>
                   <a:srgbClr val="1F1F1F"/>
                 </a:solidFill>
-                <a:effectLst/>
                 <a:latin typeface="Times New Roman" panose="02020603050405020304" pitchFamily="18" charset="0"/>
                 <a:cs typeface="Times New Roman" panose="02020603050405020304" pitchFamily="18" charset="0"/>
               </a:rPr>
-              <a:t>Both groups:</a:t>
+              <a:t> </a:t>
             </a:r>
             <a:r>
               <a:rPr lang="en-US" altLang="zh-TW" dirty="0">
@@ -12709,7 +12720,28 @@
                 <a:latin typeface="Times New Roman" panose="02020603050405020304" pitchFamily="18" charset="0"/>
                 <a:cs typeface="Times New Roman" panose="02020603050405020304" pitchFamily="18" charset="0"/>
               </a:rPr>
-              <a:t> Ride most frequently during summer months, aligning with leisure activities and potentially warmer weather encouraging cycling.</a:t>
+              <a:t>Both groups</a:t>
+            </a:r>
+            <a:r>
+              <a:rPr lang="en-US" altLang="zh-TW" dirty="0">
+                <a:solidFill>
+                  <a:srgbClr val="1F1F1F"/>
+                </a:solidFill>
+                <a:latin typeface="Times New Roman" panose="02020603050405020304" pitchFamily="18" charset="0"/>
+                <a:cs typeface="Times New Roman" panose="02020603050405020304" pitchFamily="18" charset="0"/>
+              </a:rPr>
+              <a:t> r</a:t>
+            </a:r>
+            <a:r>
+              <a:rPr lang="en-US" altLang="zh-TW" dirty="0">
+                <a:solidFill>
+                  <a:srgbClr val="1F1F1F"/>
+                </a:solidFill>
+                <a:effectLst/>
+                <a:latin typeface="Times New Roman" panose="02020603050405020304" pitchFamily="18" charset="0"/>
+                <a:cs typeface="Times New Roman" panose="02020603050405020304" pitchFamily="18" charset="0"/>
+              </a:rPr>
+              <a:t>ide most frequently during summer months, aligning with leisure activities and potentially warmer weather encouraging cycling.</a:t>
             </a:r>
           </a:p>
         </p:txBody>
@@ -13072,27 +13104,20 @@
         </p:spPr>
         <p:txBody>
           <a:bodyPr vert="horz" lIns="91440" tIns="45720" rIns="91440" bIns="45720" rtlCol="0" anchor="ctr">
-            <a:normAutofit fontScale="92500" lnSpcReduction="10000"/>
+            <a:normAutofit lnSpcReduction="10000"/>
           </a:bodyPr>
           <a:lstStyle/>
           <a:p>
-            <a:pPr marL="285750" indent="0">
+            <a:pPr marL="285750" indent="0" algn="ctr">
               <a:buNone/>
             </a:pPr>
             <a:r>
-              <a:rPr lang="en-US" altLang="zh-TW" sz="2400" dirty="0">
+              <a:rPr lang="en-US" altLang="zh-TW" b="1" dirty="0">
                 <a:latin typeface="Times New Roman" panose="02020603050405020304" pitchFamily="18" charset="0"/>
                 <a:cs typeface="Times New Roman" panose="02020603050405020304" pitchFamily="18" charset="0"/>
               </a:rPr>
-              <a:t>My top three recommendations based on analysis</a:t>
+              <a:t>Top three recommendations</a:t>
             </a:r>
-          </a:p>
-          <a:p>
-            <a:pPr marL="514350"/>
-            <a:endParaRPr lang="en-US" altLang="zh-TW" sz="2800" dirty="0">
-              <a:latin typeface="Times New Roman" panose="02020603050405020304" pitchFamily="18" charset="0"/>
-              <a:cs typeface="Times New Roman" panose="02020603050405020304" pitchFamily="18" charset="0"/>
-            </a:endParaRPr>
           </a:p>
           <a:p>
             <a:pPr rtl="0">
@@ -14010,11 +14035,11 @@
           </a:bodyPr>
           <a:lstStyle/>
           <a:p>
-            <a:pPr marL="0" indent="0">
+            <a:pPr marL="0" indent="0" algn="ctr">
               <a:buNone/>
             </a:pPr>
             <a:r>
-              <a:rPr lang="en-US" altLang="zh-TW" sz="2400" dirty="0">
+              <a:rPr lang="en-US" altLang="zh-TW" b="1" dirty="0">
                 <a:latin typeface="Times New Roman" panose="02020603050405020304" pitchFamily="18" charset="0"/>
                 <a:cs typeface="Times New Roman" panose="02020603050405020304" pitchFamily="18" charset="0"/>
               </a:rPr>
@@ -14037,11 +14062,11 @@
             </a:endParaRPr>
           </a:p>
           <a:p>
-            <a:pPr marL="0" indent="0">
+            <a:pPr marL="0" indent="0" algn="ctr">
               <a:buNone/>
             </a:pPr>
             <a:r>
-              <a:rPr lang="en-US" altLang="zh-TW" sz="2400" dirty="0">
+              <a:rPr lang="en-US" altLang="zh-TW" b="1" dirty="0">
                 <a:latin typeface="Times New Roman" panose="02020603050405020304" pitchFamily="18" charset="0"/>
                 <a:cs typeface="Times New Roman" panose="02020603050405020304" pitchFamily="18" charset="0"/>
               </a:rPr>
@@ -14455,7 +14480,7 @@
           <a:lstStyle/>
           <a:p>
             <a:r>
-              <a:rPr lang="en-US" altLang="zh-TW" dirty="0">
+              <a:rPr lang="en-US" altLang="zh-TW" sz="2400" dirty="0">
                 <a:latin typeface="Times New Roman" panose="02020603050405020304" pitchFamily="18" charset="0"/>
                 <a:cs typeface="Times New Roman" panose="02020603050405020304" pitchFamily="18" charset="0"/>
               </a:rPr>
@@ -14463,14 +14488,14 @@
             </a:r>
           </a:p>
           <a:p>
-            <a:endParaRPr lang="en-US" altLang="zh-TW" dirty="0">
+            <a:endParaRPr lang="en-US" altLang="zh-TW" sz="2400" dirty="0">
               <a:latin typeface="Times New Roman" panose="02020603050405020304" pitchFamily="18" charset="0"/>
               <a:cs typeface="Times New Roman" panose="02020603050405020304" pitchFamily="18" charset="0"/>
             </a:endParaRPr>
           </a:p>
           <a:p>
             <a:r>
-              <a:rPr lang="en-US" altLang="zh-TW" dirty="0">
+              <a:rPr lang="en-US" altLang="zh-TW" sz="2400" dirty="0">
                 <a:latin typeface="Times New Roman" panose="02020603050405020304" pitchFamily="18" charset="0"/>
                 <a:cs typeface="Times New Roman" panose="02020603050405020304" pitchFamily="18" charset="0"/>
               </a:rPr>
@@ -14478,14 +14503,14 @@
             </a:r>
           </a:p>
           <a:p>
-            <a:endParaRPr lang="en-US" altLang="zh-TW" dirty="0">
+            <a:endParaRPr lang="en-US" altLang="zh-TW" sz="2400" dirty="0">
               <a:latin typeface="Times New Roman" panose="02020603050405020304" pitchFamily="18" charset="0"/>
               <a:cs typeface="Times New Roman" panose="02020603050405020304" pitchFamily="18" charset="0"/>
             </a:endParaRPr>
           </a:p>
           <a:p>
             <a:r>
-              <a:rPr lang="en-US" altLang="zh-TW" dirty="0">
+              <a:rPr lang="en-US" altLang="zh-TW" sz="2400" dirty="0">
                 <a:latin typeface="Times New Roman" panose="02020603050405020304" pitchFamily="18" charset="0"/>
                 <a:cs typeface="Times New Roman" panose="02020603050405020304" pitchFamily="18" charset="0"/>
               </a:rPr>
@@ -15913,22 +15938,15 @@
               <a:buNone/>
             </a:pPr>
             <a:r>
-              <a:rPr lang="en-US" altLang="zh-TW" sz="2400" dirty="0">
+              <a:rPr lang="en-US" altLang="zh-TW" b="1" dirty="0">
                 <a:latin typeface="Times New Roman" panose="02020603050405020304" pitchFamily="18" charset="0"/>
                 <a:cs typeface="Times New Roman" panose="02020603050405020304" pitchFamily="18" charset="0"/>
               </a:rPr>
-              <a:t>Questions</a:t>
+              <a:t>Questions: </a:t>
             </a:r>
-            <a:r>
-              <a:rPr lang="en-US" altLang="zh-TW" sz="2200" dirty="0">
-                <a:latin typeface="Times New Roman" panose="02020603050405020304" pitchFamily="18" charset="0"/>
-                <a:cs typeface="Times New Roman" panose="02020603050405020304" pitchFamily="18" charset="0"/>
-              </a:rPr>
-              <a:t>: </a:t>
-            </a:r>
-          </a:p>
-          <a:p>
-            <a:pPr marL="0"/>
+          </a:p>
+          <a:p>
+            <a:pPr marL="0" algn="ctr"/>
             <a:r>
               <a:rPr lang="en-US" altLang="zh-TW" sz="2200" i="0" dirty="0">
                 <a:solidFill>
@@ -15957,7 +15975,7 @@
               <a:buNone/>
             </a:pPr>
             <a:r>
-              <a:rPr lang="en-US" altLang="zh-TW" sz="2200" dirty="0">
+              <a:rPr lang="en-US" altLang="zh-TW" b="1" dirty="0">
                 <a:latin typeface="Times New Roman" panose="02020603050405020304" pitchFamily="18" charset="0"/>
                 <a:cs typeface="Times New Roman" panose="02020603050405020304" pitchFamily="18" charset="0"/>
               </a:rPr>
@@ -16350,18 +16368,11 @@
               <a:buNone/>
             </a:pPr>
             <a:r>
-              <a:rPr lang="en-US" altLang="zh-TW" sz="2400" dirty="0">
+              <a:rPr lang="en-US" altLang="zh-TW" b="1" dirty="0">
                 <a:latin typeface="Times New Roman" panose="02020603050405020304" pitchFamily="18" charset="0"/>
                 <a:cs typeface="Times New Roman" panose="02020603050405020304" pitchFamily="18" charset="0"/>
               </a:rPr>
-              <a:t>Questions</a:t>
-            </a:r>
-            <a:r>
-              <a:rPr lang="en-US" altLang="zh-TW" sz="2200" dirty="0">
-                <a:latin typeface="Times New Roman" panose="02020603050405020304" pitchFamily="18" charset="0"/>
-                <a:cs typeface="Times New Roman" panose="02020603050405020304" pitchFamily="18" charset="0"/>
-              </a:rPr>
-              <a:t>: </a:t>
+              <a:t>Questions: </a:t>
             </a:r>
           </a:p>
           <a:p>
@@ -16386,11 +16397,11 @@
             </a:endParaRPr>
           </a:p>
           <a:p>
-            <a:pPr marL="285750" indent="0" algn="ctr">
+            <a:pPr marL="0" indent="0" algn="ctr">
               <a:buNone/>
             </a:pPr>
             <a:r>
-              <a:rPr lang="en-US" altLang="zh-TW" sz="2200" dirty="0">
+              <a:rPr lang="en-US" altLang="zh-TW" sz="2400" b="1" dirty="0">
                 <a:latin typeface="Times New Roman" panose="02020603050405020304" pitchFamily="18" charset="0"/>
                 <a:cs typeface="Times New Roman" panose="02020603050405020304" pitchFamily="18" charset="0"/>
               </a:rPr>
@@ -16408,7 +16419,7 @@
                 <a:latin typeface="Times New Roman" panose="02020603050405020304" pitchFamily="18" charset="0"/>
                 <a:cs typeface="Times New Roman" panose="02020603050405020304" pitchFamily="18" charset="0"/>
               </a:rPr>
-              <a:t>The data has been made available by Motivate International Inc. This is public data that can use to explore how different customer types are using bikes.</a:t>
+              <a:t>The data is public data that can use to explore how different customer types are using bikes.</a:t>
             </a:r>
           </a:p>
           <a:p>
@@ -16803,22 +16814,15 @@
               <a:buNone/>
             </a:pPr>
             <a:r>
-              <a:rPr lang="en-US" altLang="zh-TW" sz="2400" dirty="0">
+              <a:rPr lang="en-US" altLang="zh-TW" b="1" dirty="0">
                 <a:latin typeface="Times New Roman" panose="02020603050405020304" pitchFamily="18" charset="0"/>
                 <a:cs typeface="Times New Roman" panose="02020603050405020304" pitchFamily="18" charset="0"/>
               </a:rPr>
-              <a:t>Questions</a:t>
+              <a:t>Questions:</a:t>
             </a:r>
-            <a:r>
-              <a:rPr lang="en-US" altLang="zh-TW" sz="2200" dirty="0">
-                <a:latin typeface="Times New Roman" panose="02020603050405020304" pitchFamily="18" charset="0"/>
-                <a:cs typeface="Times New Roman" panose="02020603050405020304" pitchFamily="18" charset="0"/>
-              </a:rPr>
-              <a:t>:</a:t>
-            </a:r>
-          </a:p>
-          <a:p>
-            <a:pPr marL="514350"/>
+          </a:p>
+          <a:p>
+            <a:pPr marL="514350" algn="ctr"/>
             <a:r>
               <a:rPr lang="en-US" altLang="zh-TW" sz="2200" dirty="0">
                 <a:latin typeface="Times New Roman" panose="02020603050405020304" pitchFamily="18" charset="0"/>
@@ -16835,11 +16839,11 @@
             </a:endParaRPr>
           </a:p>
           <a:p>
-            <a:pPr marL="285750" indent="0" algn="ctr">
+            <a:pPr marL="0" indent="0" algn="ctr">
               <a:buNone/>
             </a:pPr>
             <a:r>
-              <a:rPr lang="en-US" altLang="zh-TW" sz="2200" dirty="0">
+              <a:rPr lang="en-US" altLang="zh-TW" sz="2400" b="1" dirty="0">
                 <a:latin typeface="Times New Roman" panose="02020603050405020304" pitchFamily="18" charset="0"/>
                 <a:cs typeface="Times New Roman" panose="02020603050405020304" pitchFamily="18" charset="0"/>
               </a:rPr>
@@ -17104,7 +17108,7 @@
           <a:lstStyle/>
           <a:p>
             <a:r>
-              <a:rPr lang="en-US" altLang="zh-TW" sz="3200" dirty="0">
+              <a:rPr lang="en-US" altLang="zh-TW" dirty="0">
                 <a:latin typeface="Times New Roman" panose="02020603050405020304" pitchFamily="18" charset="0"/>
                 <a:cs typeface="Times New Roman" panose="02020603050405020304" pitchFamily="18" charset="0"/>
               </a:rPr>
@@ -17306,11 +17310,11 @@
               <a:buNone/>
             </a:pPr>
             <a:r>
-              <a:rPr lang="en-US" altLang="zh-TW" sz="2200" dirty="0">
+              <a:rPr lang="en-US" altLang="zh-TW" dirty="0">
                 <a:latin typeface="Times New Roman" panose="02020603050405020304" pitchFamily="18" charset="0"/>
                 <a:cs typeface="Times New Roman" panose="02020603050405020304" pitchFamily="18" charset="0"/>
               </a:rPr>
-              <a:t>A summary of my analysis</a:t>
+              <a:t>Summary analysis</a:t>
             </a:r>
           </a:p>
           <a:p>
@@ -17327,7 +17331,7 @@
                 <a:latin typeface="Times New Roman" panose="02020603050405020304" pitchFamily="18" charset="0"/>
                 <a:cs typeface="Times New Roman" panose="02020603050405020304" pitchFamily="18" charset="0"/>
               </a:rPr>
-              <a:t>The average trip duration for the casual rider is more than that of average trip durations of the members. </a:t>
+              <a:t>The average trip duration for the casual rider is less than that of average trip durations of the members. </a:t>
             </a:r>
           </a:p>
           <a:p>

--- a/Bike_Share/How_Does_a_Bike_Share_Navigate_Speedy_Success.pptx
+++ b/Bike_Share/How_Does_a_Bike_Share_Navigate_Speedy_Success.pptx
@@ -2243,7 +2243,7 @@
       </dgm:t>
     </dgm:pt>
     <dgm:pt modelId="{6269A14A-2525-4E4F-AB23-9C6DDB1382A4}">
-      <dgm:prSet/>
+      <dgm:prSet custT="1"/>
       <dgm:spPr/>
       <dgm:t>
         <a:bodyPr/>
@@ -2253,7 +2253,10 @@
             <a:defRPr cap="all"/>
           </a:pPr>
           <a:r>
-            <a:rPr lang="en-US"/>
+            <a:rPr lang="en-US" sz="2400" dirty="0">
+              <a:latin typeface="Times New Roman" panose="02020603050405020304" pitchFamily="18" charset="0"/>
+              <a:cs typeface="Times New Roman" panose="02020603050405020304" pitchFamily="18" charset="0"/>
+            </a:rPr>
             <a:t>Thanks for listening</a:t>
           </a:r>
         </a:p>
@@ -2282,7 +2285,7 @@
       </dgm:t>
     </dgm:pt>
     <dgm:pt modelId="{A80C09FC-30F6-41E2-9A93-979C38CAB5BC}">
-      <dgm:prSet/>
+      <dgm:prSet custT="1"/>
       <dgm:spPr/>
       <dgm:t>
         <a:bodyPr/>
@@ -2292,9 +2295,16 @@
             <a:defRPr cap="all"/>
           </a:pPr>
           <a:r>
-            <a:rPr lang="en-US"/>
-            <a:t>If there’s any question, please let me know</a:t>
+            <a:rPr lang="en-US" altLang="zh-TW" sz="2400" dirty="0">
+              <a:latin typeface="Times New Roman" panose="02020603050405020304" pitchFamily="18" charset="0"/>
+              <a:cs typeface="Times New Roman" panose="02020603050405020304" pitchFamily="18" charset="0"/>
+            </a:rPr>
+            <a:t>Welcome to ask questions</a:t>
           </a:r>
+          <a:endParaRPr lang="en-US" sz="2400" dirty="0">
+            <a:latin typeface="Times New Roman" panose="02020603050405020304" pitchFamily="18" charset="0"/>
+            <a:cs typeface="Times New Roman" panose="02020603050405020304" pitchFamily="18" charset="0"/>
+          </a:endParaRPr>
         </a:p>
       </dgm:t>
     </dgm:pt>
@@ -2321,7 +2331,7 @@
       </dgm:t>
     </dgm:pt>
     <dgm:pt modelId="{116E1105-B867-4515-8215-50D5AD6DB750}">
-      <dgm:prSet/>
+      <dgm:prSet custT="1"/>
       <dgm:spPr/>
       <dgm:t>
         <a:bodyPr/>
@@ -2331,9 +2341,16 @@
             <a:defRPr cap="all"/>
           </a:pPr>
           <a:r>
-            <a:rPr lang="en-US"/>
-            <a:t>If I can’t answer in short period of time, please leave a hint so I can understand how to connect individually. </a:t>
+            <a:rPr lang="en-US" altLang="zh-TW" sz="2400" dirty="0">
+              <a:latin typeface="Times New Roman" panose="02020603050405020304" pitchFamily="18" charset="0"/>
+              <a:cs typeface="Times New Roman" panose="02020603050405020304" pitchFamily="18" charset="0"/>
+            </a:rPr>
+            <a:t>If the answer to this question is incomplete, please let me know.</a:t>
           </a:r>
+          <a:endParaRPr lang="en-US" sz="2400" dirty="0">
+            <a:latin typeface="Times New Roman" panose="02020603050405020304" pitchFamily="18" charset="0"/>
+            <a:cs typeface="Times New Roman" panose="02020603050405020304" pitchFamily="18" charset="0"/>
+          </a:endParaRPr>
         </a:p>
       </dgm:t>
     </dgm:pt>
@@ -2409,7 +2426,7 @@
       <dgm:spPr/>
     </dgm:pt>
     <dgm:pt modelId="{F1E1E894-D8D8-40FE-9118-4EC989685A29}" type="pres">
-      <dgm:prSet presAssocID="{6269A14A-2525-4E4F-AB23-9C6DDB1382A4}" presName="textRect" presStyleLbl="revTx" presStyleIdx="0" presStyleCnt="3">
+      <dgm:prSet presAssocID="{6269A14A-2525-4E4F-AB23-9C6DDB1382A4}" presName="textRect" presStyleLbl="revTx" presStyleIdx="0" presStyleCnt="3" custScaleY="67522">
         <dgm:presLayoutVars>
           <dgm:chMax val="1"/>
           <dgm:chPref val="1"/>
@@ -2515,7 +2532,7 @@
       <dgm:spPr/>
     </dgm:pt>
     <dgm:pt modelId="{1F820FB1-E2D1-48FE-A645-D9EE27D1247E}" type="pres">
-      <dgm:prSet presAssocID="{116E1105-B867-4515-8215-50D5AD6DB750}" presName="textRect" presStyleLbl="revTx" presStyleIdx="2" presStyleCnt="3">
+      <dgm:prSet presAssocID="{116E1105-B867-4515-8215-50D5AD6DB750}" presName="textRect" presStyleLbl="revTx" presStyleIdx="2" presStyleCnt="3" custScaleX="134691">
         <dgm:presLayoutVars>
           <dgm:chMax val="1"/>
           <dgm:chPref val="1"/>
@@ -3490,8 +3507,8 @@
       </dsp:nvSpPr>
       <dsp:spPr>
         <a:xfrm>
-          <a:off x="718664" y="453902"/>
-          <a:ext cx="1955812" cy="1955812"/>
+          <a:off x="701603" y="1134748"/>
+          <a:ext cx="1990125" cy="1990125"/>
         </a:xfrm>
         <a:prstGeom prst="ellipse">
           <a:avLst/>
@@ -3529,8 +3546,8 @@
       </dsp:nvSpPr>
       <dsp:spPr>
         <a:xfrm>
-          <a:off x="1135476" y="870714"/>
-          <a:ext cx="1122187" cy="1122187"/>
+          <a:off x="1125728" y="1558873"/>
+          <a:ext cx="1141875" cy="1141875"/>
         </a:xfrm>
         <a:prstGeom prst="rect">
           <a:avLst/>
@@ -3579,8 +3596,8 @@
       </dsp:nvSpPr>
       <dsp:spPr>
         <a:xfrm>
-          <a:off x="93445" y="3018902"/>
-          <a:ext cx="3206250" cy="720000"/>
+          <a:off x="65415" y="3822791"/>
+          <a:ext cx="3262500" cy="324504"/>
         </a:xfrm>
         <a:prstGeom prst="rect">
           <a:avLst/>
@@ -3609,7 +3626,7 @@
         </a:bodyPr>
         <a:lstStyle/>
         <a:p>
-          <a:pPr marL="0" lvl="0" indent="0" algn="ctr" defTabSz="533400">
+          <a:pPr marL="0" lvl="0" indent="0" algn="ctr" defTabSz="1066800">
             <a:lnSpc>
               <a:spcPct val="90000"/>
             </a:lnSpc>
@@ -3623,14 +3640,17 @@
             <a:defRPr cap="all"/>
           </a:pPr>
           <a:r>
-            <a:rPr lang="en-US" sz="1200" kern="1200"/>
+            <a:rPr lang="en-US" sz="2400" kern="1200" dirty="0">
+              <a:latin typeface="Times New Roman" panose="02020603050405020304" pitchFamily="18" charset="0"/>
+              <a:cs typeface="Times New Roman" panose="02020603050405020304" pitchFamily="18" charset="0"/>
+            </a:rPr>
             <a:t>Thanks for listening</a:t>
           </a:r>
         </a:p>
       </dsp:txBody>
       <dsp:txXfrm>
-        <a:off x="93445" y="3018902"/>
-        <a:ext cx="3206250" cy="720000"/>
+        <a:off x="65415" y="3822791"/>
+        <a:ext cx="3262500" cy="324504"/>
       </dsp:txXfrm>
     </dsp:sp>
     <dsp:sp modelId="{E25D46DA-3CCC-4690-B645-92B8158A50C4}">
@@ -3640,8 +3660,8 @@
       </dsp:nvSpPr>
       <dsp:spPr>
         <a:xfrm>
-          <a:off x="4486008" y="453902"/>
-          <a:ext cx="1955812" cy="1955812"/>
+          <a:off x="4535040" y="1095727"/>
+          <a:ext cx="1990125" cy="1990125"/>
         </a:xfrm>
         <a:prstGeom prst="ellipse">
           <a:avLst/>
@@ -3679,8 +3699,8 @@
       </dsp:nvSpPr>
       <dsp:spPr>
         <a:xfrm>
-          <a:off x="4902820" y="870714"/>
-          <a:ext cx="1122187" cy="1122187"/>
+          <a:off x="4959165" y="1519852"/>
+          <a:ext cx="1141875" cy="1141875"/>
         </a:xfrm>
         <a:prstGeom prst="rect">
           <a:avLst/>
@@ -3729,8 +3749,8 @@
       </dsp:nvSpPr>
       <dsp:spPr>
         <a:xfrm>
-          <a:off x="3860789" y="3018902"/>
-          <a:ext cx="3206250" cy="720000"/>
+          <a:off x="3898853" y="3705727"/>
+          <a:ext cx="3262500" cy="480590"/>
         </a:xfrm>
         <a:prstGeom prst="rect">
           <a:avLst/>
@@ -3759,7 +3779,7 @@
         </a:bodyPr>
         <a:lstStyle/>
         <a:p>
-          <a:pPr marL="0" lvl="0" indent="0" algn="ctr" defTabSz="533400">
+          <a:pPr marL="0" lvl="0" indent="0" algn="ctr" defTabSz="1066800">
             <a:lnSpc>
               <a:spcPct val="90000"/>
             </a:lnSpc>
@@ -3773,14 +3793,21 @@
             <a:defRPr cap="all"/>
           </a:pPr>
           <a:r>
-            <a:rPr lang="en-US" sz="1200" kern="1200"/>
-            <a:t>If there’s any question, please let me know</a:t>
+            <a:rPr lang="en-US" altLang="zh-TW" sz="2400" kern="1200" dirty="0">
+              <a:latin typeface="Times New Roman" panose="02020603050405020304" pitchFamily="18" charset="0"/>
+              <a:cs typeface="Times New Roman" panose="02020603050405020304" pitchFamily="18" charset="0"/>
+            </a:rPr>
+            <a:t>Welcome to ask questions</a:t>
           </a:r>
+          <a:endParaRPr lang="en-US" sz="2400" kern="1200" dirty="0">
+            <a:latin typeface="Times New Roman" panose="02020603050405020304" pitchFamily="18" charset="0"/>
+            <a:cs typeface="Times New Roman" panose="02020603050405020304" pitchFamily="18" charset="0"/>
+          </a:endParaRPr>
         </a:p>
       </dsp:txBody>
       <dsp:txXfrm>
-        <a:off x="3860789" y="3018902"/>
-        <a:ext cx="3206250" cy="720000"/>
+        <a:off x="3898853" y="3705727"/>
+        <a:ext cx="3262500" cy="480590"/>
       </dsp:txXfrm>
     </dsp:sp>
     <dsp:sp modelId="{172B5539-CDB8-4AAF-88C5-F1BFC720604B}">
@@ -3790,8 +3817,8 @@
       </dsp:nvSpPr>
       <dsp:spPr>
         <a:xfrm>
-          <a:off x="8253352" y="453902"/>
-          <a:ext cx="1955812" cy="1955812"/>
+          <a:off x="8934375" y="1095727"/>
+          <a:ext cx="1990125" cy="1990125"/>
         </a:xfrm>
         <a:prstGeom prst="ellipse">
           <a:avLst/>
@@ -3829,8 +3856,8 @@
       </dsp:nvSpPr>
       <dsp:spPr>
         <a:xfrm>
-          <a:off x="8670164" y="870714"/>
-          <a:ext cx="1122187" cy="1122187"/>
+          <a:off x="9358500" y="1519852"/>
+          <a:ext cx="1141875" cy="1141875"/>
         </a:xfrm>
         <a:prstGeom prst="rect">
           <a:avLst/>
@@ -3879,8 +3906,8 @@
       </dsp:nvSpPr>
       <dsp:spPr>
         <a:xfrm>
-          <a:off x="7628133" y="3018902"/>
-          <a:ext cx="3206250" cy="720000"/>
+          <a:off x="7732290" y="3705727"/>
+          <a:ext cx="4394293" cy="480590"/>
         </a:xfrm>
         <a:prstGeom prst="rect">
           <a:avLst/>
@@ -3909,7 +3936,7 @@
         </a:bodyPr>
         <a:lstStyle/>
         <a:p>
-          <a:pPr marL="0" lvl="0" indent="0" algn="ctr" defTabSz="533400">
+          <a:pPr marL="0" lvl="0" indent="0" algn="ctr" defTabSz="1066800">
             <a:lnSpc>
               <a:spcPct val="90000"/>
             </a:lnSpc>
@@ -3923,14 +3950,21 @@
             <a:defRPr cap="all"/>
           </a:pPr>
           <a:r>
-            <a:rPr lang="en-US" sz="1200" kern="1200"/>
-            <a:t>If I can’t answer in short period of time, please leave a hint so I can understand how to connect individually. </a:t>
+            <a:rPr lang="en-US" altLang="zh-TW" sz="2400" kern="1200" dirty="0">
+              <a:latin typeface="Times New Roman" panose="02020603050405020304" pitchFamily="18" charset="0"/>
+              <a:cs typeface="Times New Roman" panose="02020603050405020304" pitchFamily="18" charset="0"/>
+            </a:rPr>
+            <a:t>If the answer to this question is incomplete, please let me know.</a:t>
           </a:r>
+          <a:endParaRPr lang="en-US" sz="2400" kern="1200" dirty="0">
+            <a:latin typeface="Times New Roman" panose="02020603050405020304" pitchFamily="18" charset="0"/>
+            <a:cs typeface="Times New Roman" panose="02020603050405020304" pitchFamily="18" charset="0"/>
+          </a:endParaRPr>
         </a:p>
       </dsp:txBody>
       <dsp:txXfrm>
-        <a:off x="7628133" y="3018902"/>
-        <a:ext cx="3206250" cy="720000"/>
+        <a:off x="7732290" y="3705727"/>
+        <a:ext cx="4394293" cy="480590"/>
       </dsp:txXfrm>
     </dsp:sp>
   </dsp:spTree>
@@ -13641,10 +13675,10 @@
       </p:sp>
       <p:graphicFrame>
         <p:nvGraphicFramePr>
-          <p:cNvPr id="14" name="文字版面配置區 2">
+          <p:cNvPr id="3" name="文字版面配置區 2">
             <a:extLst>
               <a:ext uri="{FF2B5EF4-FFF2-40B4-BE49-F238E27FC236}">
-                <a16:creationId xmlns:a16="http://schemas.microsoft.com/office/drawing/2014/main" id="{AC1FD95F-B3A1-2A16-9A30-57DF2DA14B18}"/>
+                <a16:creationId xmlns:a16="http://schemas.microsoft.com/office/drawing/2014/main" id="{C9A6399B-224C-EF2C-C8D9-9AAA28CE9651}"/>
               </a:ext>
             </a:extLst>
           </p:cNvPr>
@@ -13652,14 +13686,14 @@
           <p:nvPr>
             <p:extLst>
               <p:ext uri="{D42A27DB-BD31-4B8C-83A1-F6EECF244321}">
-                <p14:modId xmlns:p14="http://schemas.microsoft.com/office/powerpoint/2010/main" val="3392180306"/>
+                <p14:modId xmlns:p14="http://schemas.microsoft.com/office/powerpoint/2010/main" val="887627528"/>
               </p:ext>
             </p:extLst>
           </p:nvPr>
         </p:nvGraphicFramePr>
         <p:xfrm>
-          <a:off x="644056" y="2112579"/>
-          <a:ext cx="10927829" cy="4192805"/>
+          <a:off x="0" y="1575955"/>
+          <a:ext cx="12192000" cy="5282045"/>
         </p:xfrm>
         <a:graphic>
           <a:graphicData uri="http://schemas.openxmlformats.org/drawingml/2006/diagram">

--- a/Bike_Share/How_Does_a_Bike_Share_Navigate_Speedy_Success.pptx
+++ b/Bike_Share/How_Does_a_Bike_Share_Navigate_Speedy_Success.pptx
@@ -11939,12 +11939,19 @@
           </a:p>
           <a:p>
             <a:r>
+              <a:rPr lang="en-US" altLang="zh-TW" sz="2200" dirty="0">
+                <a:latin typeface="Times New Roman" panose="02020603050405020304" pitchFamily="18" charset="0"/>
+                <a:cs typeface="Times New Roman" panose="02020603050405020304" pitchFamily="18" charset="0"/>
+              </a:rPr>
+              <a:t>M</a:t>
+            </a:r>
+            <a:r>
               <a:rPr lang="en-US" altLang="zh-TW" sz="2200" b="0" i="0" dirty="0">
                 <a:effectLst/>
                 <a:latin typeface="Times New Roman" panose="02020603050405020304" pitchFamily="18" charset="0"/>
                 <a:cs typeface="Times New Roman" panose="02020603050405020304" pitchFamily="18" charset="0"/>
               </a:rPr>
-              <a:t>member ridership</a:t>
+              <a:t>ember ridership</a:t>
             </a:r>
             <a:r>
               <a:rPr lang="zh-TW" altLang="en-US" sz="2200" b="0" i="0" dirty="0">
